--- a/CompetitiveAnalysis.pptx
+++ b/CompetitiveAnalysis.pptx
@@ -4393,7 +4393,7 @@
           <a:p>
             <a:fld id="{0E563EE3-3774-E549-9BE9-2F7AAE8E518F}" type="datetimeFigureOut">
               <a:rPr lang="en-US" smtClean="0"/>
-              <a:t>1/18/12</a:t>
+              <a:t>1/19/12</a:t>
             </a:fld>
             <a:endParaRPr lang="en-US"/>
           </a:p>
@@ -4853,11 +4853,11 @@
   <p:clrMapOvr>
     <a:masterClrMapping/>
   </p:clrMapOvr>
-  <mc:AlternateContent xmlns:mc="http://schemas.openxmlformats.org/markup-compatibility/2006">
-    <mc:Choice xmlns:p14="http://schemas.microsoft.com/office/powerpoint/2010/main" Requires="p14">
+  <mc:AlternateContent xmlns:mc="http://schemas.openxmlformats.org/markup-compatibility/2006" xmlns:p14="http://schemas.microsoft.com/office/powerpoint/2010/main">
+    <mc:Choice Requires="p14">
       <p:transition spd="slow" p14:dur="2000"/>
     </mc:Choice>
-    <mc:Fallback>
+    <mc:Fallback xmlns="">
       <p:transition xmlns:p14="http://schemas.microsoft.com/office/powerpoint/2010/main" spd="slow"/>
     </mc:Fallback>
   </mc:AlternateContent>
@@ -4896,6 +4896,10 @@
           <a:bodyPr/>
           <a:lstStyle/>
           <a:p>
+            <a:r>
+              <a:rPr lang="en-US" smtClean="0"/>
+              <a:t>gaggsilwsnfll</a:t>
+            </a:r>
             <a:endParaRPr lang="en-US"/>
           </a:p>
         </p:txBody>

--- a/CompetitiveAnalysis.pptx
+++ b/CompetitiveAnalysis.pptx
@@ -4919,6 +4919,10 @@
           <a:bodyPr/>
           <a:lstStyle/>
           <a:p>
+            <a:r>
+              <a:rPr lang="en-US" smtClean="0"/>
+              <a:t>dddd</a:t>
+            </a:r>
             <a:endParaRPr lang="en-US" dirty="0"/>
           </a:p>
         </p:txBody>
